--- a/lectures/DJ-10-Forms-HTML.pptx
+++ b/lectures/DJ-10-Forms-HTML.pptx
@@ -6346,10 +6346,10 @@
           <p:cNvPr id="10" name="Rectangle 9">
             <a:extLst>
               <a:ext uri="{FF2B5EF4-FFF2-40B4-BE49-F238E27FC236}">
-                <a16:creationId xmlns="" xmlns:a16="http://schemas.microsoft.com/office/drawing/2014/main" id="{E20EB187-900F-4AF5-813B-101456D9FD39}"/>
+                <a16:creationId xmlns:a16="http://schemas.microsoft.com/office/drawing/2014/main" xmlns="" id="{E20EB187-900F-4AF5-813B-101456D9FD39}"/>
               </a:ext>
               <a:ext uri="{C183D7F6-B498-43B3-948B-1728B52AA6E4}">
-                <adec:decorative xmlns="" xmlns:adec="http://schemas.microsoft.com/office/drawing/2017/decorative" val="1"/>
+                <adec:decorative xmlns:adec="http://schemas.microsoft.com/office/drawing/2017/decorative" xmlns="" val="1"/>
               </a:ext>
             </a:extLst>
           </p:cNvPr>
@@ -6493,10 +6493,10 @@
           <p:cNvPr id="12" name="Straight Connector 11">
             <a:extLst>
               <a:ext uri="{FF2B5EF4-FFF2-40B4-BE49-F238E27FC236}">
-                <a16:creationId xmlns="" xmlns:a16="http://schemas.microsoft.com/office/drawing/2014/main" id="{624D17C8-E9C2-48A4-AA36-D7048A6CCC41}"/>
+                <a16:creationId xmlns:a16="http://schemas.microsoft.com/office/drawing/2014/main" xmlns="" id="{624D17C8-E9C2-48A4-AA36-D7048A6CCC41}"/>
               </a:ext>
               <a:ext uri="{C183D7F6-B498-43B3-948B-1728B52AA6E4}">
-                <adec:decorative xmlns="" xmlns:adec="http://schemas.microsoft.com/office/drawing/2017/decorative" val="1"/>
+                <adec:decorative xmlns:adec="http://schemas.microsoft.com/office/drawing/2017/decorative" xmlns="" val="1"/>
               </a:ext>
             </a:extLst>
           </p:cNvPr>
@@ -6824,14 +6824,14 @@
           </a:ln>
           <a:extLst>
             <a:ext uri="{909E8E84-426E-40dd-AFC4-6F175D3DCCD1}">
-              <a14:hiddenFill xmlns="" xmlns:a14="http://schemas.microsoft.com/office/drawing/2010/main">
+              <a14:hiddenFill xmlns:a14="http://schemas.microsoft.com/office/drawing/2010/main" xmlns="">
                 <a:solidFill>
                   <a:srgbClr val="FFFFFF"/>
                 </a:solidFill>
               </a14:hiddenFill>
             </a:ext>
             <a:ext uri="{91240B29-F687-4f45-9708-019B960494DF}">
-              <a14:hiddenLine xmlns="" xmlns:a14="http://schemas.microsoft.com/office/drawing/2010/main" w="12700">
+              <a14:hiddenLine xmlns:a14="http://schemas.microsoft.com/office/drawing/2010/main" xmlns="" w="12700">
                 <a:solidFill>
                   <a:srgbClr val="000000"/>
                 </a:solidFill>
@@ -7778,14 +7778,14 @@
           </a:ln>
           <a:extLst>
             <a:ext uri="{909E8E84-426E-40dd-AFC4-6F175D3DCCD1}">
-              <a14:hiddenFill xmlns="" xmlns:a14="http://schemas.microsoft.com/office/drawing/2010/main">
+              <a14:hiddenFill xmlns:a14="http://schemas.microsoft.com/office/drawing/2010/main" xmlns="">
                 <a:solidFill>
                   <a:srgbClr val="FFFFFF"/>
                 </a:solidFill>
               </a14:hiddenFill>
             </a:ext>
             <a:ext uri="{91240B29-F687-4f45-9708-019B960494DF}">
-              <a14:hiddenLine xmlns="" xmlns:a14="http://schemas.microsoft.com/office/drawing/2010/main" w="12700">
+              <a14:hiddenLine xmlns:a14="http://schemas.microsoft.com/office/drawing/2010/main" xmlns="" w="12700">
                 <a:solidFill>
                   <a:srgbClr val="000000"/>
                 </a:solidFill>
@@ -8341,14 +8341,14 @@
           </a:ln>
           <a:extLst>
             <a:ext uri="{909E8E84-426E-40dd-AFC4-6F175D3DCCD1}">
-              <a14:hiddenFill xmlns="" xmlns:a14="http://schemas.microsoft.com/office/drawing/2010/main">
+              <a14:hiddenFill xmlns:a14="http://schemas.microsoft.com/office/drawing/2010/main" xmlns="">
                 <a:solidFill>
                   <a:srgbClr val="FFFFFF"/>
                 </a:solidFill>
               </a14:hiddenFill>
             </a:ext>
             <a:ext uri="{91240B29-F687-4f45-9708-019B960494DF}">
-              <a14:hiddenLine xmlns="" xmlns:a14="http://schemas.microsoft.com/office/drawing/2010/main" w="12700">
+              <a14:hiddenLine xmlns:a14="http://schemas.microsoft.com/office/drawing/2010/main" xmlns="" w="12700">
                 <a:solidFill>
                   <a:srgbClr val="000000"/>
                 </a:solidFill>
@@ -8616,14 +8616,14 @@
           </a:ln>
           <a:extLst>
             <a:ext uri="{909E8E84-426E-40dd-AFC4-6F175D3DCCD1}">
-              <a14:hiddenFill xmlns="" xmlns:a14="http://schemas.microsoft.com/office/drawing/2010/main">
+              <a14:hiddenFill xmlns:a14="http://schemas.microsoft.com/office/drawing/2010/main" xmlns="">
                 <a:solidFill>
                   <a:srgbClr val="FFFFFF"/>
                 </a:solidFill>
               </a14:hiddenFill>
             </a:ext>
             <a:ext uri="{91240B29-F687-4f45-9708-019B960494DF}">
-              <a14:hiddenLine xmlns="" xmlns:a14="http://schemas.microsoft.com/office/drawing/2010/main" w="12700">
+              <a14:hiddenLine xmlns:a14="http://schemas.microsoft.com/office/drawing/2010/main" xmlns="" w="12700">
                 <a:solidFill>
                   <a:srgbClr val="000000"/>
                 </a:solidFill>
@@ -9743,14 +9743,14 @@
           </a:ln>
           <a:extLst>
             <a:ext uri="{909E8E84-426E-40dd-AFC4-6F175D3DCCD1}">
-              <a14:hiddenFill xmlns="" xmlns:a14="http://schemas.microsoft.com/office/drawing/2010/main">
+              <a14:hiddenFill xmlns:a14="http://schemas.microsoft.com/office/drawing/2010/main" xmlns="">
                 <a:solidFill>
                   <a:srgbClr val="FFFFFF"/>
                 </a:solidFill>
               </a14:hiddenFill>
             </a:ext>
             <a:ext uri="{91240B29-F687-4f45-9708-019B960494DF}">
-              <a14:hiddenLine xmlns="" xmlns:a14="http://schemas.microsoft.com/office/drawing/2010/main" w="9525">
+              <a14:hiddenLine xmlns:a14="http://schemas.microsoft.com/office/drawing/2010/main" xmlns="" w="9525">
                 <a:solidFill>
                   <a:srgbClr val="000000"/>
                 </a:solidFill>
@@ -10163,14 +10163,14 @@
           </a:ln>
           <a:extLst>
             <a:ext uri="{909E8E84-426E-40dd-AFC4-6F175D3DCCD1}">
-              <a14:hiddenFill xmlns="" xmlns:a14="http://schemas.microsoft.com/office/drawing/2010/main">
+              <a14:hiddenFill xmlns:a14="http://schemas.microsoft.com/office/drawing/2010/main" xmlns="">
                 <a:solidFill>
                   <a:srgbClr val="FFFFFF"/>
                 </a:solidFill>
               </a14:hiddenFill>
             </a:ext>
             <a:ext uri="{91240B29-F687-4f45-9708-019B960494DF}">
-              <a14:hiddenLine xmlns="" xmlns:a14="http://schemas.microsoft.com/office/drawing/2010/main" w="12700">
+              <a14:hiddenLine xmlns:a14="http://schemas.microsoft.com/office/drawing/2010/main" xmlns="" w="12700">
                 <a:solidFill>
                   <a:srgbClr val="000000"/>
                 </a:solidFill>
@@ -10787,14 +10787,14 @@
           </a:ln>
           <a:extLst>
             <a:ext uri="{909E8E84-426E-40dd-AFC4-6F175D3DCCD1}">
-              <a14:hiddenFill xmlns="" xmlns:a14="http://schemas.microsoft.com/office/drawing/2010/main">
+              <a14:hiddenFill xmlns:a14="http://schemas.microsoft.com/office/drawing/2010/main" xmlns="">
                 <a:solidFill>
                   <a:srgbClr val="FFFFFF"/>
                 </a:solidFill>
               </a14:hiddenFill>
             </a:ext>
             <a:ext uri="{91240B29-F687-4f45-9708-019B960494DF}">
-              <a14:hiddenLine xmlns="" xmlns:a14="http://schemas.microsoft.com/office/drawing/2010/main" w="12700">
+              <a14:hiddenLine xmlns:a14="http://schemas.microsoft.com/office/drawing/2010/main" xmlns="" w="12700">
                 <a:solidFill>
                   <a:srgbClr val="000000"/>
                 </a:solidFill>
@@ -11367,14 +11367,14 @@
           </a:ln>
           <a:extLst>
             <a:ext uri="{909E8E84-426E-40dd-AFC4-6F175D3DCCD1}">
-              <a14:hiddenFill xmlns="" xmlns:a14="http://schemas.microsoft.com/office/drawing/2010/main">
+              <a14:hiddenFill xmlns:a14="http://schemas.microsoft.com/office/drawing/2010/main" xmlns="">
                 <a:solidFill>
                   <a:srgbClr val="FFFFFF"/>
                 </a:solidFill>
               </a14:hiddenFill>
             </a:ext>
             <a:ext uri="{91240B29-F687-4f45-9708-019B960494DF}">
-              <a14:hiddenLine xmlns="" xmlns:a14="http://schemas.microsoft.com/office/drawing/2010/main" w="12700">
+              <a14:hiddenLine xmlns:a14="http://schemas.microsoft.com/office/drawing/2010/main" xmlns="" w="12700">
                 <a:solidFill>
                   <a:srgbClr val="000000"/>
                 </a:solidFill>
@@ -12029,14 +12029,14 @@
           </a:ln>
           <a:extLst>
             <a:ext uri="{909E8E84-426E-40dd-AFC4-6F175D3DCCD1}">
-              <a14:hiddenFill xmlns="" xmlns:a14="http://schemas.microsoft.com/office/drawing/2010/main">
+              <a14:hiddenFill xmlns:a14="http://schemas.microsoft.com/office/drawing/2010/main" xmlns="">
                 <a:solidFill>
                   <a:srgbClr val="FFFFFF"/>
                 </a:solidFill>
               </a14:hiddenFill>
             </a:ext>
             <a:ext uri="{91240B29-F687-4f45-9708-019B960494DF}">
-              <a14:hiddenLine xmlns="" xmlns:a14="http://schemas.microsoft.com/office/drawing/2010/main" w="12700">
+              <a14:hiddenLine xmlns:a14="http://schemas.microsoft.com/office/drawing/2010/main" xmlns="" w="12700">
                 <a:solidFill>
                   <a:srgbClr val="000000"/>
                 </a:solidFill>
@@ -13533,14 +13533,14 @@
           </a:ln>
           <a:extLst>
             <a:ext uri="{909E8E84-426E-40dd-AFC4-6F175D3DCCD1}">
-              <a14:hiddenFill xmlns="" xmlns:a14="http://schemas.microsoft.com/office/drawing/2010/main">
+              <a14:hiddenFill xmlns:a14="http://schemas.microsoft.com/office/drawing/2010/main" xmlns="">
                 <a:solidFill>
                   <a:srgbClr val="FFFFFF"/>
                 </a:solidFill>
               </a14:hiddenFill>
             </a:ext>
             <a:ext uri="{91240B29-F687-4f45-9708-019B960494DF}">
-              <a14:hiddenLine xmlns="" xmlns:a14="http://schemas.microsoft.com/office/drawing/2010/main" w="9525">
+              <a14:hiddenLine xmlns:a14="http://schemas.microsoft.com/office/drawing/2010/main" xmlns="" w="9525">
                 <a:solidFill>
                   <a:srgbClr val="000000"/>
                 </a:solidFill>
@@ -13789,10 +13789,10 @@
           <p:cNvPr id="15" name="Down Arrow 7">
             <a:extLst>
               <a:ext uri="{FF2B5EF4-FFF2-40B4-BE49-F238E27FC236}">
-                <a16:creationId xmlns="" xmlns:a16="http://schemas.microsoft.com/office/drawing/2014/main" id="{73DE2CFE-42F2-48F0-8706-5264E012B10C}"/>
+                <a16:creationId xmlns:a16="http://schemas.microsoft.com/office/drawing/2014/main" xmlns="" id="{73DE2CFE-42F2-48F0-8706-5264E012B10C}"/>
               </a:ext>
               <a:ext uri="{C183D7F6-B498-43B3-948B-1728B52AA6E4}">
-                <adec:decorative xmlns="" xmlns:adec="http://schemas.microsoft.com/office/drawing/2017/decorative" val="1"/>
+                <adec:decorative xmlns:adec="http://schemas.microsoft.com/office/drawing/2017/decorative" xmlns="" val="1"/>
               </a:ext>
             </a:extLst>
           </p:cNvPr>
@@ -28550,10 +28550,10 @@
           <p:cNvPr id="199" name="Rectangle 198">
             <a:extLst>
               <a:ext uri="{FF2B5EF4-FFF2-40B4-BE49-F238E27FC236}">
-                <a16:creationId xmlns="" xmlns:a16="http://schemas.microsoft.com/office/drawing/2014/main" id="{42A5316D-ED2F-4F89-B4B4-8D9240B1A348}"/>
+                <a16:creationId xmlns:a16="http://schemas.microsoft.com/office/drawing/2014/main" xmlns="" id="{42A5316D-ED2F-4F89-B4B4-8D9240B1A348}"/>
               </a:ext>
               <a:ext uri="{C183D7F6-B498-43B3-948B-1728B52AA6E4}">
-                <adec:decorative xmlns="" xmlns:adec="http://schemas.microsoft.com/office/drawing/2017/decorative" val="1"/>
+                <adec:decorative xmlns:adec="http://schemas.microsoft.com/office/drawing/2017/decorative" xmlns="" val="1"/>
               </a:ext>
             </a:extLst>
           </p:cNvPr>
@@ -33875,11 +33875,7 @@
             </a:pPr>
             <a:r>
               <a:rPr lang="en-US" altLang="x-none"/>
-              <a:t>POST </a:t>
-            </a:r>
-            <a:r>
-              <a:rPr lang="en-US" altLang="x-none"/>
-              <a:t>Redirect </a:t>
+              <a:t>POST Redirect </a:t>
             </a:r>
             <a:r>
               <a:rPr lang="en-US" altLang="x-none" smtClean="0"/>
@@ -36200,14 +36196,14 @@
           </a:ln>
           <a:extLst>
             <a:ext uri="{909E8E84-426E-40dd-AFC4-6F175D3DCCD1}">
-              <a14:hiddenFill xmlns="" xmlns:a14="http://schemas.microsoft.com/office/drawing/2010/main">
+              <a14:hiddenFill xmlns:a14="http://schemas.microsoft.com/office/drawing/2010/main" xmlns="">
                 <a:solidFill>
                   <a:srgbClr val="FFFFFF"/>
                 </a:solidFill>
               </a14:hiddenFill>
             </a:ext>
             <a:ext uri="{91240B29-F687-4f45-9708-019B960494DF}">
-              <a14:hiddenLine xmlns="" xmlns:a14="http://schemas.microsoft.com/office/drawing/2010/main" w="12700">
+              <a14:hiddenLine xmlns:a14="http://schemas.microsoft.com/office/drawing/2010/main" xmlns="" w="12700">
                 <a:solidFill>
                   <a:srgbClr val="000000"/>
                 </a:solidFill>
@@ -36392,7 +36388,7 @@
           </a:ln>
           <a:extLst>
             <a:ext uri="{91240B29-F687-4f45-9708-019B960494DF}">
-              <a14:hiddenLine xmlns="" xmlns:a14="http://schemas.microsoft.com/office/drawing/2010/main" w="12700">
+              <a14:hiddenLine xmlns:a14="http://schemas.microsoft.com/office/drawing/2010/main" xmlns="" w="12700">
                 <a:solidFill>
                   <a:srgbClr val="000000"/>
                 </a:solidFill>
@@ -36563,7 +36559,7 @@
           </a:ln>
           <a:extLst>
             <a:ext uri="{91240B29-F687-4f45-9708-019B960494DF}">
-              <a14:hiddenLine xmlns="" xmlns:a14="http://schemas.microsoft.com/office/drawing/2010/main" w="12700">
+              <a14:hiddenLine xmlns:a14="http://schemas.microsoft.com/office/drawing/2010/main" xmlns="" w="12700">
                 <a:solidFill>
                   <a:srgbClr val="000000"/>
                 </a:solidFill>
@@ -36737,7 +36733,7 @@
           </a:ln>
           <a:extLst>
             <a:ext uri="{909E8E84-426E-40dd-AFC4-6F175D3DCCD1}">
-              <a14:hiddenFill xmlns="" xmlns:a14="http://schemas.microsoft.com/office/drawing/2010/main">
+              <a14:hiddenFill xmlns:a14="http://schemas.microsoft.com/office/drawing/2010/main" xmlns="">
                 <a:noFill/>
               </a14:hiddenFill>
             </a:ext>
@@ -36776,14 +36772,14 @@
           </a:ln>
           <a:extLst>
             <a:ext uri="{909E8E84-426E-40dd-AFC4-6F175D3DCCD1}">
-              <a14:hiddenFill xmlns="" xmlns:a14="http://schemas.microsoft.com/office/drawing/2010/main">
+              <a14:hiddenFill xmlns:a14="http://schemas.microsoft.com/office/drawing/2010/main" xmlns="">
                 <a:solidFill>
                   <a:srgbClr val="FFFFFF"/>
                 </a:solidFill>
               </a14:hiddenFill>
             </a:ext>
             <a:ext uri="{91240B29-F687-4f45-9708-019B960494DF}">
-              <a14:hiddenLine xmlns="" xmlns:a14="http://schemas.microsoft.com/office/drawing/2010/main" w="12700">
+              <a14:hiddenLine xmlns:a14="http://schemas.microsoft.com/office/drawing/2010/main" xmlns="" w="12700">
                 <a:solidFill>
                   <a:srgbClr val="000000"/>
                 </a:solidFill>
@@ -37196,8 +37192,21 @@
             </a:r>
             <a:r>
               <a:rPr lang="en-US" altLang="ja-JP" sz="2667" dirty="0"/>
-              <a:t> each time you access it.</a:t>
-            </a:r>
+              <a:t> each time you access it</a:t>
+            </a:r>
+            <a:r>
+              <a:rPr lang="en-US" altLang="ja-JP" sz="2667" dirty="0" smtClean="0"/>
+              <a:t>. (i.e. </a:t>
+            </a:r>
+            <a:r>
+              <a:rPr lang="en-US" altLang="ja-JP" sz="2667" dirty="0" err="1" smtClean="0"/>
+              <a:t>bookmarkable</a:t>
+            </a:r>
+            <a:r>
+              <a:rPr lang="en-US" altLang="ja-JP" sz="2667" dirty="0" smtClean="0"/>
+              <a:t>)</a:t>
+            </a:r>
+            <a:endParaRPr lang="en-US" altLang="ja-JP" sz="2667" dirty="0"/>
           </a:p>
           <a:p>
             <a:pPr marL="560903"/>
